--- a/documents/Portfolio-Design2.pptx
+++ b/documents/Portfolio-Design2.pptx
@@ -5,9 +5,10 @@
     <p:sldMasterId id="2147483696" r:id="rId1"/>
   </p:sldMasterIdLst>
   <p:sldIdLst>
-    <p:sldId id="256" r:id="rId2"/>
+    <p:sldId id="259" r:id="rId2"/>
     <p:sldId id="257" r:id="rId3"/>
     <p:sldId id="258" r:id="rId4"/>
+    <p:sldId id="260" r:id="rId5"/>
   </p:sldIdLst>
   <p:sldSz cx="6858000" cy="9906000" type="A4"/>
   <p:notesSz cx="6858000" cy="9144000"/>
@@ -106,6 +107,11 @@
       </a:defRPr>
     </a:lvl9pPr>
   </p:defaultTextStyle>
+  <p:extLst>
+    <p:ext uri="{EFAFB233-063F-42B5-8137-9DF3F51BA10A}">
+      <p15:sldGuideLst xmlns:p15="http://schemas.microsoft.com/office/powerpoint/2012/main"/>
+    </p:ext>
+  </p:extLst>
 </p:presentation>
 </file>
 
@@ -240,7 +246,7 @@
           <a:p>
             <a:fld id="{87538401-2B96-F447-A818-7CA81260E62F}" type="datetimeFigureOut">
               <a:rPr lang="en-US" smtClean="0"/>
-              <a:t>9/15/21</a:t>
+              <a:t>9/20/21</a:t>
             </a:fld>
             <a:endParaRPr lang="en-US"/>
           </a:p>
@@ -410,7 +416,7 @@
           <a:p>
             <a:fld id="{87538401-2B96-F447-A818-7CA81260E62F}" type="datetimeFigureOut">
               <a:rPr lang="en-US" smtClean="0"/>
-              <a:t>9/15/21</a:t>
+              <a:t>9/20/21</a:t>
             </a:fld>
             <a:endParaRPr lang="en-US"/>
           </a:p>
@@ -590,7 +596,7 @@
           <a:p>
             <a:fld id="{87538401-2B96-F447-A818-7CA81260E62F}" type="datetimeFigureOut">
               <a:rPr lang="en-US" smtClean="0"/>
-              <a:t>9/15/21</a:t>
+              <a:t>9/20/21</a:t>
             </a:fld>
             <a:endParaRPr lang="en-US"/>
           </a:p>
@@ -760,7 +766,7 @@
           <a:p>
             <a:fld id="{87538401-2B96-F447-A818-7CA81260E62F}" type="datetimeFigureOut">
               <a:rPr lang="en-US" smtClean="0"/>
-              <a:t>9/15/21</a:t>
+              <a:t>9/20/21</a:t>
             </a:fld>
             <a:endParaRPr lang="en-US"/>
           </a:p>
@@ -1004,7 +1010,7 @@
           <a:p>
             <a:fld id="{87538401-2B96-F447-A818-7CA81260E62F}" type="datetimeFigureOut">
               <a:rPr lang="en-US" smtClean="0"/>
-              <a:t>9/15/21</a:t>
+              <a:t>9/20/21</a:t>
             </a:fld>
             <a:endParaRPr lang="en-US"/>
           </a:p>
@@ -1236,7 +1242,7 @@
           <a:p>
             <a:fld id="{87538401-2B96-F447-A818-7CA81260E62F}" type="datetimeFigureOut">
               <a:rPr lang="en-US" smtClean="0"/>
-              <a:t>9/15/21</a:t>
+              <a:t>9/20/21</a:t>
             </a:fld>
             <a:endParaRPr lang="en-US"/>
           </a:p>
@@ -1603,7 +1609,7 @@
           <a:p>
             <a:fld id="{87538401-2B96-F447-A818-7CA81260E62F}" type="datetimeFigureOut">
               <a:rPr lang="en-US" smtClean="0"/>
-              <a:t>9/15/21</a:t>
+              <a:t>9/20/21</a:t>
             </a:fld>
             <a:endParaRPr lang="en-US"/>
           </a:p>
@@ -1721,7 +1727,7 @@
           <a:p>
             <a:fld id="{87538401-2B96-F447-A818-7CA81260E62F}" type="datetimeFigureOut">
               <a:rPr lang="en-US" smtClean="0"/>
-              <a:t>9/15/21</a:t>
+              <a:t>9/20/21</a:t>
             </a:fld>
             <a:endParaRPr lang="en-US"/>
           </a:p>
@@ -1816,7 +1822,7 @@
           <a:p>
             <a:fld id="{87538401-2B96-F447-A818-7CA81260E62F}" type="datetimeFigureOut">
               <a:rPr lang="en-US" smtClean="0"/>
-              <a:t>9/15/21</a:t>
+              <a:t>9/20/21</a:t>
             </a:fld>
             <a:endParaRPr lang="en-US"/>
           </a:p>
@@ -2093,7 +2099,7 @@
           <a:p>
             <a:fld id="{87538401-2B96-F447-A818-7CA81260E62F}" type="datetimeFigureOut">
               <a:rPr lang="en-US" smtClean="0"/>
-              <a:t>9/15/21</a:t>
+              <a:t>9/20/21</a:t>
             </a:fld>
             <a:endParaRPr lang="en-US"/>
           </a:p>
@@ -2350,7 +2356,7 @@
           <a:p>
             <a:fld id="{87538401-2B96-F447-A818-7CA81260E62F}" type="datetimeFigureOut">
               <a:rPr lang="en-US" smtClean="0"/>
-              <a:t>9/15/21</a:t>
+              <a:t>9/20/21</a:t>
             </a:fld>
             <a:endParaRPr lang="en-US"/>
           </a:p>
@@ -2563,7 +2569,7 @@
           <a:p>
             <a:fld id="{87538401-2B96-F447-A818-7CA81260E62F}" type="datetimeFigureOut">
               <a:rPr lang="en-US" smtClean="0"/>
-              <a:t>9/15/21</a:t>
+              <a:t>9/20/21</a:t>
             </a:fld>
             <a:endParaRPr lang="en-US"/>
           </a:p>
@@ -2970,174 +2976,6 @@
       </p:grpSpPr>
       <p:sp>
         <p:nvSpPr>
-          <p:cNvPr id="4" name="Rectangle 3">
-            <a:extLst>
-              <a:ext uri="{FF2B5EF4-FFF2-40B4-BE49-F238E27FC236}">
-                <a16:creationId xmlns:a16="http://schemas.microsoft.com/office/drawing/2014/main" id="{821BF100-A610-FB43-A1B4-6D8254EA332E}"/>
-              </a:ext>
-            </a:extLst>
-          </p:cNvPr>
-          <p:cNvSpPr/>
-          <p:nvPr/>
-        </p:nvSpPr>
-        <p:spPr>
-          <a:xfrm>
-            <a:off x="194872" y="194872"/>
-            <a:ext cx="461620" cy="195897"/>
-          </a:xfrm>
-          <a:prstGeom prst="rect">
-            <a:avLst/>
-          </a:prstGeom>
-          <a:noFill/>
-          <a:ln>
-            <a:solidFill>
-              <a:srgbClr val="C00000"/>
-            </a:solidFill>
-          </a:ln>
-        </p:spPr>
-        <p:style>
-          <a:lnRef idx="2">
-            <a:schemeClr val="accent1">
-              <a:shade val="50000"/>
-            </a:schemeClr>
-          </a:lnRef>
-          <a:fillRef idx="1">
-            <a:schemeClr val="accent1"/>
-          </a:fillRef>
-          <a:effectRef idx="0">
-            <a:schemeClr val="accent1"/>
-          </a:effectRef>
-          <a:fontRef idx="minor">
-            <a:schemeClr val="lt1"/>
-          </a:fontRef>
-        </p:style>
-        <p:txBody>
-          <a:bodyPr rtlCol="0" anchor="ctr"/>
-          <a:lstStyle/>
-          <a:p>
-            <a:pPr algn="ctr"/>
-            <a:endParaRPr lang="en-US" sz="800">
-              <a:solidFill>
-                <a:srgbClr val="002060"/>
-              </a:solidFill>
-            </a:endParaRPr>
-          </a:p>
-        </p:txBody>
-      </p:sp>
-      <p:sp>
-        <p:nvSpPr>
-          <p:cNvPr id="5" name="Rectangle 4">
-            <a:extLst>
-              <a:ext uri="{FF2B5EF4-FFF2-40B4-BE49-F238E27FC236}">
-                <a16:creationId xmlns:a16="http://schemas.microsoft.com/office/drawing/2014/main" id="{77AF6F88-22D7-7E42-AB50-8499CB09CA50}"/>
-              </a:ext>
-            </a:extLst>
-          </p:cNvPr>
-          <p:cNvSpPr/>
-          <p:nvPr/>
-        </p:nvSpPr>
-        <p:spPr>
-          <a:xfrm>
-            <a:off x="4348748" y="194872"/>
-            <a:ext cx="1059497" cy="195897"/>
-          </a:xfrm>
-          <a:prstGeom prst="rect">
-            <a:avLst/>
-          </a:prstGeom>
-          <a:noFill/>
-          <a:ln>
-            <a:solidFill>
-              <a:srgbClr val="C00000"/>
-            </a:solidFill>
-          </a:ln>
-        </p:spPr>
-        <p:style>
-          <a:lnRef idx="2">
-            <a:schemeClr val="accent1">
-              <a:shade val="50000"/>
-            </a:schemeClr>
-          </a:lnRef>
-          <a:fillRef idx="1">
-            <a:schemeClr val="accent1"/>
-          </a:fillRef>
-          <a:effectRef idx="0">
-            <a:schemeClr val="accent1"/>
-          </a:effectRef>
-          <a:fontRef idx="minor">
-            <a:schemeClr val="lt1"/>
-          </a:fontRef>
-        </p:style>
-        <p:txBody>
-          <a:bodyPr rtlCol="0" anchor="ctr"/>
-          <a:lstStyle/>
-          <a:p>
-            <a:pPr algn="ctr"/>
-            <a:endParaRPr lang="en-US" sz="800">
-              <a:solidFill>
-                <a:srgbClr val="002060"/>
-              </a:solidFill>
-            </a:endParaRPr>
-          </a:p>
-        </p:txBody>
-      </p:sp>
-      <p:sp>
-        <p:nvSpPr>
-          <p:cNvPr id="6" name="Rectangle 5">
-            <a:extLst>
-              <a:ext uri="{FF2B5EF4-FFF2-40B4-BE49-F238E27FC236}">
-                <a16:creationId xmlns:a16="http://schemas.microsoft.com/office/drawing/2014/main" id="{2966B0D2-C8D1-824C-8A90-A558F6F60584}"/>
-              </a:ext>
-            </a:extLst>
-          </p:cNvPr>
-          <p:cNvSpPr/>
-          <p:nvPr/>
-        </p:nvSpPr>
-        <p:spPr>
-          <a:xfrm>
-            <a:off x="5603631" y="194872"/>
-            <a:ext cx="1059497" cy="195897"/>
-          </a:xfrm>
-          <a:prstGeom prst="rect">
-            <a:avLst/>
-          </a:prstGeom>
-          <a:noFill/>
-          <a:ln>
-            <a:solidFill>
-              <a:srgbClr val="C00000"/>
-            </a:solidFill>
-          </a:ln>
-        </p:spPr>
-        <p:style>
-          <a:lnRef idx="2">
-            <a:schemeClr val="accent1">
-              <a:shade val="50000"/>
-            </a:schemeClr>
-          </a:lnRef>
-          <a:fillRef idx="1">
-            <a:schemeClr val="accent1"/>
-          </a:fillRef>
-          <a:effectRef idx="0">
-            <a:schemeClr val="accent1"/>
-          </a:effectRef>
-          <a:fontRef idx="minor">
-            <a:schemeClr val="lt1"/>
-          </a:fontRef>
-        </p:style>
-        <p:txBody>
-          <a:bodyPr rtlCol="0" anchor="ctr"/>
-          <a:lstStyle/>
-          <a:p>
-            <a:pPr algn="ctr"/>
-            <a:endParaRPr lang="en-US" sz="800">
-              <a:solidFill>
-                <a:srgbClr val="002060"/>
-              </a:solidFill>
-            </a:endParaRPr>
-          </a:p>
-        </p:txBody>
-      </p:sp>
-      <p:sp>
-        <p:nvSpPr>
           <p:cNvPr id="7" name="Oval 6">
             <a:extLst>
               <a:ext uri="{FF2B5EF4-FFF2-40B4-BE49-F238E27FC236}">
@@ -3150,7 +2988,7 @@
         </p:nvSpPr>
         <p:spPr>
           <a:xfrm>
-            <a:off x="425682" y="547617"/>
+            <a:off x="2664646" y="109918"/>
             <a:ext cx="1137395" cy="1111188"/>
           </a:xfrm>
           <a:prstGeom prst="ellipse">
@@ -3190,7 +3028,7 @@
                   <a:srgbClr val="002060"/>
                 </a:solidFill>
               </a:rPr>
-              <a:t>Intro Image</a:t>
+              <a:t>Logo</a:t>
             </a:r>
           </a:p>
         </p:txBody>
@@ -3209,8 +3047,8 @@
         </p:nvSpPr>
         <p:spPr>
           <a:xfrm>
-            <a:off x="2899251" y="578338"/>
-            <a:ext cx="3763877" cy="1018895"/>
+            <a:off x="194871" y="1350079"/>
+            <a:ext cx="6468258" cy="464090"/>
           </a:xfrm>
           <a:prstGeom prst="rect">
             <a:avLst/>
@@ -4357,11 +4195,25 @@
           <a:lstStyle/>
           <a:p>
             <a:pPr algn="ctr"/>
-            <a:endParaRPr lang="en-US" sz="800">
-              <a:solidFill>
-                <a:srgbClr val="002060"/>
-              </a:solidFill>
-            </a:endParaRPr>
+            <a:r>
+              <a:rPr lang="en-US" sz="800" dirty="0">
+                <a:solidFill>
+                  <a:srgbClr val="002060"/>
+                </a:solidFill>
+              </a:rPr>
+              <a:t>Footer – Socials (Instagram/GitHub/LinkedIn)</a:t>
+            </a:r>
+          </a:p>
+          <a:p>
+            <a:pPr algn="ctr"/>
+            <a:r>
+              <a:rPr lang="en-US" sz="800" dirty="0">
+                <a:solidFill>
+                  <a:srgbClr val="002060"/>
+                </a:solidFill>
+              </a:rPr>
+              <a:t>Copyright ©thamberrah</a:t>
+            </a:r>
           </a:p>
         </p:txBody>
       </p:sp>
@@ -4424,10 +4276,128 @@
           </a:p>
         </p:txBody>
       </p:sp>
+      <p:sp>
+        <p:nvSpPr>
+          <p:cNvPr id="28" name="Oval 27">
+            <a:extLst>
+              <a:ext uri="{FF2B5EF4-FFF2-40B4-BE49-F238E27FC236}">
+                <a16:creationId xmlns:a16="http://schemas.microsoft.com/office/drawing/2014/main" id="{475D2CFC-1865-3D49-B6AE-EC25D27ADF7F}"/>
+              </a:ext>
+            </a:extLst>
+          </p:cNvPr>
+          <p:cNvSpPr/>
+          <p:nvPr/>
+        </p:nvSpPr>
+        <p:spPr>
+          <a:xfrm>
+            <a:off x="4964311" y="109918"/>
+            <a:ext cx="1137395" cy="1111188"/>
+          </a:xfrm>
+          <a:prstGeom prst="ellipse">
+            <a:avLst/>
+          </a:prstGeom>
+          <a:noFill/>
+          <a:ln>
+            <a:solidFill>
+              <a:srgbClr val="C00000"/>
+            </a:solidFill>
+          </a:ln>
+        </p:spPr>
+        <p:style>
+          <a:lnRef idx="2">
+            <a:schemeClr val="accent1">
+              <a:shade val="50000"/>
+            </a:schemeClr>
+          </a:lnRef>
+          <a:fillRef idx="1">
+            <a:schemeClr val="accent1"/>
+          </a:fillRef>
+          <a:effectRef idx="0">
+            <a:schemeClr val="accent1"/>
+          </a:effectRef>
+          <a:fontRef idx="minor">
+            <a:schemeClr val="lt1"/>
+          </a:fontRef>
+        </p:style>
+        <p:txBody>
+          <a:bodyPr rtlCol="0" anchor="ctr"/>
+          <a:lstStyle/>
+          <a:p>
+            <a:pPr algn="ctr"/>
+            <a:r>
+              <a:rPr lang="en-US" sz="800" dirty="0">
+                <a:solidFill>
+                  <a:srgbClr val="002060"/>
+                </a:solidFill>
+              </a:rPr>
+              <a:t>Contact</a:t>
+            </a:r>
+          </a:p>
+        </p:txBody>
+      </p:sp>
+      <p:sp>
+        <p:nvSpPr>
+          <p:cNvPr id="29" name="Oval 28">
+            <a:extLst>
+              <a:ext uri="{FF2B5EF4-FFF2-40B4-BE49-F238E27FC236}">
+                <a16:creationId xmlns:a16="http://schemas.microsoft.com/office/drawing/2014/main" id="{51570254-803D-134E-BF8F-1255C2784A80}"/>
+              </a:ext>
+            </a:extLst>
+          </p:cNvPr>
+          <p:cNvSpPr/>
+          <p:nvPr/>
+        </p:nvSpPr>
+        <p:spPr>
+          <a:xfrm>
+            <a:off x="364982" y="91192"/>
+            <a:ext cx="1137395" cy="1111188"/>
+          </a:xfrm>
+          <a:prstGeom prst="ellipse">
+            <a:avLst/>
+          </a:prstGeom>
+          <a:noFill/>
+          <a:ln>
+            <a:solidFill>
+              <a:srgbClr val="C00000"/>
+            </a:solidFill>
+          </a:ln>
+        </p:spPr>
+        <p:style>
+          <a:lnRef idx="2">
+            <a:schemeClr val="accent1">
+              <a:shade val="50000"/>
+            </a:schemeClr>
+          </a:lnRef>
+          <a:fillRef idx="1">
+            <a:schemeClr val="accent1"/>
+          </a:fillRef>
+          <a:effectRef idx="0">
+            <a:schemeClr val="accent1"/>
+          </a:effectRef>
+          <a:fontRef idx="minor">
+            <a:schemeClr val="lt1"/>
+          </a:fontRef>
+        </p:style>
+        <p:txBody>
+          <a:bodyPr rtlCol="0" anchor="ctr"/>
+          <a:lstStyle/>
+          <a:p>
+            <a:pPr algn="ctr"/>
+            <a:r>
+              <a:rPr lang="en-US" sz="800" dirty="0">
+                <a:solidFill>
+                  <a:srgbClr val="002060"/>
+                </a:solidFill>
+              </a:rPr>
+              <a:t>Work</a:t>
+            </a:r>
+          </a:p>
+        </p:txBody>
+      </p:sp>
     </p:spTree>
     <p:extLst>
       <p:ext uri="{BB962C8B-B14F-4D97-AF65-F5344CB8AC3E}">
-        <p14:creationId xmlns:p14="http://schemas.microsoft.com/office/powerpoint/2010/main" val="742413563"/>
+        <p14:creationId xmlns:p14="http://schemas.microsoft.com/office/powerpoint/2010/main" val="285115621"/>
       </p:ext>
     </p:extLst>
   </p:cSld>
@@ -4502,7 +4472,14 @@
           <a:lstStyle/>
           <a:p>
             <a:pPr algn="ctr"/>
-            <a:endParaRPr lang="en-US"/>
+            <a:r>
+              <a:rPr lang="en-US" sz="800" dirty="0">
+                <a:solidFill>
+                  <a:srgbClr val="002060"/>
+                </a:solidFill>
+              </a:rPr>
+              <a:t>Logo</a:t>
+            </a:r>
           </a:p>
         </p:txBody>
       </p:sp>
@@ -4554,7 +4531,14 @@
           <a:lstStyle/>
           <a:p>
             <a:pPr algn="ctr"/>
-            <a:endParaRPr lang="en-US"/>
+            <a:r>
+              <a:rPr lang="en-US" sz="800" dirty="0">
+                <a:solidFill>
+                  <a:srgbClr val="002060"/>
+                </a:solidFill>
+              </a:rPr>
+              <a:t>Work</a:t>
+            </a:r>
           </a:p>
         </p:txBody>
       </p:sp>
@@ -4606,7 +4590,14 @@
           <a:lstStyle/>
           <a:p>
             <a:pPr algn="ctr"/>
-            <a:endParaRPr lang="en-US"/>
+            <a:r>
+              <a:rPr lang="en-US" sz="800" dirty="0">
+                <a:solidFill>
+                  <a:srgbClr val="002060"/>
+                </a:solidFill>
+              </a:rPr>
+              <a:t>Contact</a:t>
+            </a:r>
           </a:p>
         </p:txBody>
       </p:sp>
@@ -5012,7 +5003,25 @@
           <a:lstStyle/>
           <a:p>
             <a:pPr algn="ctr"/>
-            <a:endParaRPr lang="en-US"/>
+            <a:r>
+              <a:rPr lang="en-US" sz="800" dirty="0">
+                <a:solidFill>
+                  <a:srgbClr val="002060"/>
+                </a:solidFill>
+              </a:rPr>
+              <a:t>Footer – Socials (Instagram/GitHub/LinkedIn)</a:t>
+            </a:r>
+          </a:p>
+          <a:p>
+            <a:pPr algn="ctr"/>
+            <a:r>
+              <a:rPr lang="en-US" sz="800" dirty="0">
+                <a:solidFill>
+                  <a:srgbClr val="002060"/>
+                </a:solidFill>
+              </a:rPr>
+              <a:t>Copyright ©thamberrah</a:t>
+            </a:r>
           </a:p>
         </p:txBody>
       </p:sp>
@@ -5094,7 +5103,14 @@
           <a:lstStyle/>
           <a:p>
             <a:pPr algn="ctr"/>
-            <a:endParaRPr lang="en-US"/>
+            <a:r>
+              <a:rPr lang="en-US" sz="800" dirty="0">
+                <a:solidFill>
+                  <a:srgbClr val="002060"/>
+                </a:solidFill>
+              </a:rPr>
+              <a:t>Logo</a:t>
+            </a:r>
           </a:p>
         </p:txBody>
       </p:sp>
@@ -5146,7 +5162,14 @@
           <a:lstStyle/>
           <a:p>
             <a:pPr algn="ctr"/>
-            <a:endParaRPr lang="en-US"/>
+            <a:r>
+              <a:rPr lang="en-US" sz="800" dirty="0">
+                <a:solidFill>
+                  <a:srgbClr val="002060"/>
+                </a:solidFill>
+              </a:rPr>
+              <a:t>Work</a:t>
+            </a:r>
           </a:p>
         </p:txBody>
       </p:sp>
@@ -5198,7 +5221,14 @@
           <a:lstStyle/>
           <a:p>
             <a:pPr algn="ctr"/>
-            <a:endParaRPr lang="en-US"/>
+            <a:r>
+              <a:rPr lang="en-US" sz="800" dirty="0">
+                <a:solidFill>
+                  <a:srgbClr val="002060"/>
+                </a:solidFill>
+              </a:rPr>
+              <a:t>Contact</a:t>
+            </a:r>
           </a:p>
         </p:txBody>
       </p:sp>
@@ -5756,7 +5786,25 @@
           <a:lstStyle/>
           <a:p>
             <a:pPr algn="ctr"/>
-            <a:endParaRPr lang="en-US"/>
+            <a:r>
+              <a:rPr lang="en-US" sz="800" dirty="0">
+                <a:solidFill>
+                  <a:srgbClr val="002060"/>
+                </a:solidFill>
+              </a:rPr>
+              <a:t>Footer – Socials (Instagram/GitHub/LinkedIn)</a:t>
+            </a:r>
+          </a:p>
+          <a:p>
+            <a:pPr algn="ctr"/>
+            <a:r>
+              <a:rPr lang="en-US" sz="800" dirty="0">
+                <a:solidFill>
+                  <a:srgbClr val="002060"/>
+                </a:solidFill>
+              </a:rPr>
+              <a:t>Copyright ©thamberrah</a:t>
+            </a:r>
           </a:p>
         </p:txBody>
       </p:sp>
@@ -5764,6 +5812,892 @@
     <p:extLst>
       <p:ext uri="{BB962C8B-B14F-4D97-AF65-F5344CB8AC3E}">
         <p14:creationId xmlns:p14="http://schemas.microsoft.com/office/powerpoint/2010/main" val="346746768"/>
+      </p:ext>
+    </p:extLst>
+  </p:cSld>
+  <p:clrMapOvr>
+    <a:masterClrMapping/>
+  </p:clrMapOvr>
+</p:sld>
+</file>
+
+<file path=ppt/slides/slide4.xml><?xml version="1.0" encoding="utf-8"?>
+<p:sld xmlns:a="http://schemas.openxmlformats.org/drawingml/2006/main" xmlns:r="http://schemas.openxmlformats.org/officeDocument/2006/relationships" xmlns:p="http://schemas.openxmlformats.org/presentationml/2006/main">
+  <p:cSld>
+    <p:spTree>
+      <p:nvGrpSpPr>
+        <p:cNvPr id="1" name=""/>
+        <p:cNvGrpSpPr/>
+        <p:nvPr/>
+      </p:nvGrpSpPr>
+      <p:grpSpPr>
+        <a:xfrm>
+          <a:off x="0" y="0"/>
+          <a:ext cx="0" cy="0"/>
+          <a:chOff x="0" y="0"/>
+          <a:chExt cx="0" cy="0"/>
+        </a:xfrm>
+      </p:grpSpPr>
+      <p:sp>
+        <p:nvSpPr>
+          <p:cNvPr id="4" name="Rectangle 3">
+            <a:extLst>
+              <a:ext uri="{FF2B5EF4-FFF2-40B4-BE49-F238E27FC236}">
+                <a16:creationId xmlns:a16="http://schemas.microsoft.com/office/drawing/2014/main" id="{821BF100-A610-FB43-A1B4-6D8254EA332E}"/>
+              </a:ext>
+            </a:extLst>
+          </p:cNvPr>
+          <p:cNvSpPr/>
+          <p:nvPr/>
+        </p:nvSpPr>
+        <p:spPr>
+          <a:xfrm>
+            <a:off x="194872" y="194872"/>
+            <a:ext cx="461620" cy="195897"/>
+          </a:xfrm>
+          <a:prstGeom prst="rect">
+            <a:avLst/>
+          </a:prstGeom>
+          <a:noFill/>
+          <a:ln>
+            <a:solidFill>
+              <a:srgbClr val="C00000"/>
+            </a:solidFill>
+          </a:ln>
+        </p:spPr>
+        <p:style>
+          <a:lnRef idx="2">
+            <a:schemeClr val="accent1">
+              <a:shade val="50000"/>
+            </a:schemeClr>
+          </a:lnRef>
+          <a:fillRef idx="1">
+            <a:schemeClr val="accent1"/>
+          </a:fillRef>
+          <a:effectRef idx="0">
+            <a:schemeClr val="accent1"/>
+          </a:effectRef>
+          <a:fontRef idx="minor">
+            <a:schemeClr val="lt1"/>
+          </a:fontRef>
+        </p:style>
+        <p:txBody>
+          <a:bodyPr rtlCol="0" anchor="ctr"/>
+          <a:lstStyle/>
+          <a:p>
+            <a:pPr algn="ctr"/>
+            <a:r>
+              <a:rPr lang="en-US" sz="800" dirty="0">
+                <a:solidFill>
+                  <a:srgbClr val="002060"/>
+                </a:solidFill>
+              </a:rPr>
+              <a:t>Logo</a:t>
+            </a:r>
+          </a:p>
+        </p:txBody>
+      </p:sp>
+      <p:sp>
+        <p:nvSpPr>
+          <p:cNvPr id="5" name="Rectangle 4">
+            <a:extLst>
+              <a:ext uri="{FF2B5EF4-FFF2-40B4-BE49-F238E27FC236}">
+                <a16:creationId xmlns:a16="http://schemas.microsoft.com/office/drawing/2014/main" id="{77AF6F88-22D7-7E42-AB50-8499CB09CA50}"/>
+              </a:ext>
+            </a:extLst>
+          </p:cNvPr>
+          <p:cNvSpPr/>
+          <p:nvPr/>
+        </p:nvSpPr>
+        <p:spPr>
+          <a:xfrm>
+            <a:off x="4348748" y="194872"/>
+            <a:ext cx="1059497" cy="195897"/>
+          </a:xfrm>
+          <a:prstGeom prst="rect">
+            <a:avLst/>
+          </a:prstGeom>
+          <a:noFill/>
+          <a:ln>
+            <a:solidFill>
+              <a:srgbClr val="C00000"/>
+            </a:solidFill>
+          </a:ln>
+        </p:spPr>
+        <p:style>
+          <a:lnRef idx="2">
+            <a:schemeClr val="accent1">
+              <a:shade val="50000"/>
+            </a:schemeClr>
+          </a:lnRef>
+          <a:fillRef idx="1">
+            <a:schemeClr val="accent1"/>
+          </a:fillRef>
+          <a:effectRef idx="0">
+            <a:schemeClr val="accent1"/>
+          </a:effectRef>
+          <a:fontRef idx="minor">
+            <a:schemeClr val="lt1"/>
+          </a:fontRef>
+        </p:style>
+        <p:txBody>
+          <a:bodyPr rtlCol="0" anchor="ctr"/>
+          <a:lstStyle/>
+          <a:p>
+            <a:pPr algn="ctr"/>
+            <a:r>
+              <a:rPr lang="en-US" sz="800" dirty="0">
+                <a:solidFill>
+                  <a:srgbClr val="002060"/>
+                </a:solidFill>
+              </a:rPr>
+              <a:t>Work</a:t>
+            </a:r>
+          </a:p>
+        </p:txBody>
+      </p:sp>
+      <p:sp>
+        <p:nvSpPr>
+          <p:cNvPr id="6" name="Rectangle 5">
+            <a:extLst>
+              <a:ext uri="{FF2B5EF4-FFF2-40B4-BE49-F238E27FC236}">
+                <a16:creationId xmlns:a16="http://schemas.microsoft.com/office/drawing/2014/main" id="{2966B0D2-C8D1-824C-8A90-A558F6F60584}"/>
+              </a:ext>
+            </a:extLst>
+          </p:cNvPr>
+          <p:cNvSpPr/>
+          <p:nvPr/>
+        </p:nvSpPr>
+        <p:spPr>
+          <a:xfrm>
+            <a:off x="5603631" y="194872"/>
+            <a:ext cx="1059497" cy="195897"/>
+          </a:xfrm>
+          <a:prstGeom prst="rect">
+            <a:avLst/>
+          </a:prstGeom>
+          <a:noFill/>
+          <a:ln>
+            <a:solidFill>
+              <a:srgbClr val="C00000"/>
+            </a:solidFill>
+          </a:ln>
+        </p:spPr>
+        <p:style>
+          <a:lnRef idx="2">
+            <a:schemeClr val="accent1">
+              <a:shade val="50000"/>
+            </a:schemeClr>
+          </a:lnRef>
+          <a:fillRef idx="1">
+            <a:schemeClr val="accent1"/>
+          </a:fillRef>
+          <a:effectRef idx="0">
+            <a:schemeClr val="accent1"/>
+          </a:effectRef>
+          <a:fontRef idx="minor">
+            <a:schemeClr val="lt1"/>
+          </a:fontRef>
+        </p:style>
+        <p:txBody>
+          <a:bodyPr rtlCol="0" anchor="ctr"/>
+          <a:lstStyle/>
+          <a:p>
+            <a:pPr algn="ctr"/>
+            <a:r>
+              <a:rPr lang="en-US" sz="800" dirty="0">
+                <a:solidFill>
+                  <a:srgbClr val="002060"/>
+                </a:solidFill>
+              </a:rPr>
+              <a:t>Contact</a:t>
+            </a:r>
+          </a:p>
+        </p:txBody>
+      </p:sp>
+      <p:sp>
+        <p:nvSpPr>
+          <p:cNvPr id="12" name="Rectangle 11">
+            <a:extLst>
+              <a:ext uri="{FF2B5EF4-FFF2-40B4-BE49-F238E27FC236}">
+                <a16:creationId xmlns:a16="http://schemas.microsoft.com/office/drawing/2014/main" id="{A64BE9CD-30E5-A647-A7FB-9AD7C7A31B86}"/>
+              </a:ext>
+            </a:extLst>
+          </p:cNvPr>
+          <p:cNvSpPr/>
+          <p:nvPr/>
+        </p:nvSpPr>
+        <p:spPr>
+          <a:xfrm>
+            <a:off x="194872" y="716276"/>
+            <a:ext cx="1540622" cy="340994"/>
+          </a:xfrm>
+          <a:prstGeom prst="rect">
+            <a:avLst/>
+          </a:prstGeom>
+          <a:noFill/>
+          <a:ln>
+            <a:solidFill>
+              <a:srgbClr val="C00000"/>
+            </a:solidFill>
+          </a:ln>
+        </p:spPr>
+        <p:style>
+          <a:lnRef idx="2">
+            <a:schemeClr val="accent1">
+              <a:shade val="50000"/>
+            </a:schemeClr>
+          </a:lnRef>
+          <a:fillRef idx="1">
+            <a:schemeClr val="accent1"/>
+          </a:fillRef>
+          <a:effectRef idx="0">
+            <a:schemeClr val="accent1"/>
+          </a:effectRef>
+          <a:fontRef idx="minor">
+            <a:schemeClr val="lt1"/>
+          </a:fontRef>
+        </p:style>
+        <p:txBody>
+          <a:bodyPr rtlCol="0" anchor="ctr"/>
+          <a:lstStyle/>
+          <a:p>
+            <a:r>
+              <a:rPr lang="en-US" sz="800" dirty="0">
+                <a:solidFill>
+                  <a:srgbClr val="002060"/>
+                </a:solidFill>
+              </a:rPr>
+              <a:t>My CV</a:t>
+            </a:r>
+          </a:p>
+        </p:txBody>
+      </p:sp>
+      <p:sp>
+        <p:nvSpPr>
+          <p:cNvPr id="19" name="Rectangle 18">
+            <a:extLst>
+              <a:ext uri="{FF2B5EF4-FFF2-40B4-BE49-F238E27FC236}">
+                <a16:creationId xmlns:a16="http://schemas.microsoft.com/office/drawing/2014/main" id="{85AFCEAF-B4E6-9443-8DD3-145B89642ECD}"/>
+              </a:ext>
+            </a:extLst>
+          </p:cNvPr>
+          <p:cNvSpPr/>
+          <p:nvPr/>
+        </p:nvSpPr>
+        <p:spPr>
+          <a:xfrm>
+            <a:off x="0" y="9566032"/>
+            <a:ext cx="6858000" cy="340994"/>
+          </a:xfrm>
+          <a:prstGeom prst="rect">
+            <a:avLst/>
+          </a:prstGeom>
+          <a:noFill/>
+          <a:ln>
+            <a:solidFill>
+              <a:srgbClr val="C00000"/>
+            </a:solidFill>
+          </a:ln>
+        </p:spPr>
+        <p:style>
+          <a:lnRef idx="2">
+            <a:schemeClr val="accent1">
+              <a:shade val="50000"/>
+            </a:schemeClr>
+          </a:lnRef>
+          <a:fillRef idx="1">
+            <a:schemeClr val="accent1"/>
+          </a:fillRef>
+          <a:effectRef idx="0">
+            <a:schemeClr val="accent1"/>
+          </a:effectRef>
+          <a:fontRef idx="minor">
+            <a:schemeClr val="lt1"/>
+          </a:fontRef>
+        </p:style>
+        <p:txBody>
+          <a:bodyPr rtlCol="0" anchor="ctr"/>
+          <a:lstStyle/>
+          <a:p>
+            <a:pPr algn="ctr"/>
+            <a:r>
+              <a:rPr lang="en-US" sz="800" dirty="0">
+                <a:solidFill>
+                  <a:srgbClr val="002060"/>
+                </a:solidFill>
+              </a:rPr>
+              <a:t>Footer – Socials (Instagram/GitHub/LinkedIn)</a:t>
+            </a:r>
+          </a:p>
+          <a:p>
+            <a:pPr algn="ctr"/>
+            <a:r>
+              <a:rPr lang="en-US" sz="800" dirty="0">
+                <a:solidFill>
+                  <a:srgbClr val="002060"/>
+                </a:solidFill>
+              </a:rPr>
+              <a:t>Copyright ©thamberrah</a:t>
+            </a:r>
+          </a:p>
+        </p:txBody>
+      </p:sp>
+      <p:sp>
+        <p:nvSpPr>
+          <p:cNvPr id="20" name="Rectangle 19">
+            <a:extLst>
+              <a:ext uri="{FF2B5EF4-FFF2-40B4-BE49-F238E27FC236}">
+                <a16:creationId xmlns:a16="http://schemas.microsoft.com/office/drawing/2014/main" id="{34ABC058-E642-8D46-BE14-91E113F0A6B2}"/>
+              </a:ext>
+            </a:extLst>
+          </p:cNvPr>
+          <p:cNvSpPr/>
+          <p:nvPr/>
+        </p:nvSpPr>
+        <p:spPr>
+          <a:xfrm>
+            <a:off x="194872" y="1382776"/>
+            <a:ext cx="2884230" cy="4168938"/>
+          </a:xfrm>
+          <a:prstGeom prst="rect">
+            <a:avLst/>
+          </a:prstGeom>
+          <a:noFill/>
+          <a:ln>
+            <a:solidFill>
+              <a:srgbClr val="C00000"/>
+            </a:solidFill>
+          </a:ln>
+        </p:spPr>
+        <p:style>
+          <a:lnRef idx="2">
+            <a:schemeClr val="accent1">
+              <a:shade val="50000"/>
+            </a:schemeClr>
+          </a:lnRef>
+          <a:fillRef idx="1">
+            <a:schemeClr val="accent1"/>
+          </a:fillRef>
+          <a:effectRef idx="0">
+            <a:schemeClr val="accent1"/>
+          </a:effectRef>
+          <a:fontRef idx="minor">
+            <a:schemeClr val="lt1"/>
+          </a:fontRef>
+        </p:style>
+        <p:txBody>
+          <a:bodyPr rtlCol="0" anchor="ctr"/>
+          <a:lstStyle/>
+          <a:p>
+            <a:pPr algn="ctr"/>
+            <a:r>
+              <a:rPr lang="en-US" sz="800" dirty="0">
+                <a:solidFill>
+                  <a:srgbClr val="002060"/>
+                </a:solidFill>
+              </a:rPr>
+              <a:t>CV Image</a:t>
+            </a:r>
+          </a:p>
+        </p:txBody>
+      </p:sp>
+      <p:sp>
+        <p:nvSpPr>
+          <p:cNvPr id="21" name="Rectangle 20">
+            <a:extLst>
+              <a:ext uri="{FF2B5EF4-FFF2-40B4-BE49-F238E27FC236}">
+                <a16:creationId xmlns:a16="http://schemas.microsoft.com/office/drawing/2014/main" id="{EBBDB3E0-2CF0-5949-8738-1112367E9077}"/>
+              </a:ext>
+            </a:extLst>
+          </p:cNvPr>
+          <p:cNvSpPr/>
+          <p:nvPr/>
+        </p:nvSpPr>
+        <p:spPr>
+          <a:xfrm>
+            <a:off x="3778898" y="1382775"/>
+            <a:ext cx="2884230" cy="4168938"/>
+          </a:xfrm>
+          <a:prstGeom prst="rect">
+            <a:avLst/>
+          </a:prstGeom>
+          <a:noFill/>
+          <a:ln>
+            <a:solidFill>
+              <a:srgbClr val="C00000"/>
+            </a:solidFill>
+          </a:ln>
+        </p:spPr>
+        <p:style>
+          <a:lnRef idx="2">
+            <a:schemeClr val="accent1">
+              <a:shade val="50000"/>
+            </a:schemeClr>
+          </a:lnRef>
+          <a:fillRef idx="1">
+            <a:schemeClr val="accent1"/>
+          </a:fillRef>
+          <a:effectRef idx="0">
+            <a:schemeClr val="accent1"/>
+          </a:effectRef>
+          <a:fontRef idx="minor">
+            <a:schemeClr val="lt1"/>
+          </a:fontRef>
+        </p:style>
+        <p:txBody>
+          <a:bodyPr rtlCol="0" anchor="ctr"/>
+          <a:lstStyle/>
+          <a:p>
+            <a:r>
+              <a:rPr lang="en-US" sz="800" dirty="0">
+                <a:solidFill>
+                  <a:srgbClr val="002060"/>
+                </a:solidFill>
+              </a:rPr>
+              <a:t>Name</a:t>
+            </a:r>
+          </a:p>
+          <a:p>
+            <a:r>
+              <a:rPr lang="en-US" sz="800" dirty="0">
+                <a:solidFill>
+                  <a:srgbClr val="002060"/>
+                </a:solidFill>
+              </a:rPr>
+              <a:t>Email Address</a:t>
+            </a:r>
+          </a:p>
+          <a:p>
+            <a:r>
+              <a:rPr lang="en-US" sz="800" dirty="0">
+                <a:solidFill>
+                  <a:srgbClr val="002060"/>
+                </a:solidFill>
+              </a:rPr>
+              <a:t>Work Number</a:t>
+            </a:r>
+          </a:p>
+        </p:txBody>
+      </p:sp>
+      <p:sp>
+        <p:nvSpPr>
+          <p:cNvPr id="22" name="Rectangle 21">
+            <a:extLst>
+              <a:ext uri="{FF2B5EF4-FFF2-40B4-BE49-F238E27FC236}">
+                <a16:creationId xmlns:a16="http://schemas.microsoft.com/office/drawing/2014/main" id="{BFE536EF-B03F-C243-A959-C630AF891D7A}"/>
+              </a:ext>
+            </a:extLst>
+          </p:cNvPr>
+          <p:cNvSpPr/>
+          <p:nvPr/>
+        </p:nvSpPr>
+        <p:spPr>
+          <a:xfrm>
+            <a:off x="3778898" y="716276"/>
+            <a:ext cx="1540622" cy="340994"/>
+          </a:xfrm>
+          <a:prstGeom prst="rect">
+            <a:avLst/>
+          </a:prstGeom>
+          <a:noFill/>
+          <a:ln>
+            <a:solidFill>
+              <a:srgbClr val="C00000"/>
+            </a:solidFill>
+          </a:ln>
+        </p:spPr>
+        <p:style>
+          <a:lnRef idx="2">
+            <a:schemeClr val="accent1">
+              <a:shade val="50000"/>
+            </a:schemeClr>
+          </a:lnRef>
+          <a:fillRef idx="1">
+            <a:schemeClr val="accent1"/>
+          </a:fillRef>
+          <a:effectRef idx="0">
+            <a:schemeClr val="accent1"/>
+          </a:effectRef>
+          <a:fontRef idx="minor">
+            <a:schemeClr val="lt1"/>
+          </a:fontRef>
+        </p:style>
+        <p:txBody>
+          <a:bodyPr rtlCol="0" anchor="ctr"/>
+          <a:lstStyle/>
+          <a:p>
+            <a:r>
+              <a:rPr lang="en-US" sz="800" dirty="0">
+                <a:solidFill>
+                  <a:srgbClr val="002060"/>
+                </a:solidFill>
+              </a:rPr>
+              <a:t>Contact Me</a:t>
+            </a:r>
+          </a:p>
+        </p:txBody>
+      </p:sp>
+      <p:sp>
+        <p:nvSpPr>
+          <p:cNvPr id="23" name="Rectangle 22">
+            <a:extLst>
+              <a:ext uri="{FF2B5EF4-FFF2-40B4-BE49-F238E27FC236}">
+                <a16:creationId xmlns:a16="http://schemas.microsoft.com/office/drawing/2014/main" id="{D5218DE5-D590-F644-B6F7-20414A83D6EC}"/>
+              </a:ext>
+            </a:extLst>
+          </p:cNvPr>
+          <p:cNvSpPr/>
+          <p:nvPr/>
+        </p:nvSpPr>
+        <p:spPr>
+          <a:xfrm>
+            <a:off x="194872" y="6094422"/>
+            <a:ext cx="1540622" cy="340994"/>
+          </a:xfrm>
+          <a:prstGeom prst="rect">
+            <a:avLst/>
+          </a:prstGeom>
+          <a:noFill/>
+          <a:ln>
+            <a:solidFill>
+              <a:srgbClr val="C00000"/>
+            </a:solidFill>
+          </a:ln>
+        </p:spPr>
+        <p:style>
+          <a:lnRef idx="2">
+            <a:schemeClr val="accent1">
+              <a:shade val="50000"/>
+            </a:schemeClr>
+          </a:lnRef>
+          <a:fillRef idx="1">
+            <a:schemeClr val="accent1"/>
+          </a:fillRef>
+          <a:effectRef idx="0">
+            <a:schemeClr val="accent1"/>
+          </a:effectRef>
+          <a:fontRef idx="minor">
+            <a:schemeClr val="lt1"/>
+          </a:fontRef>
+        </p:style>
+        <p:txBody>
+          <a:bodyPr rtlCol="0" anchor="ctr"/>
+          <a:lstStyle/>
+          <a:p>
+            <a:r>
+              <a:rPr lang="en-US" sz="800" dirty="0">
+                <a:solidFill>
+                  <a:srgbClr val="002060"/>
+                </a:solidFill>
+              </a:rPr>
+              <a:t>Leave a message</a:t>
+            </a:r>
+          </a:p>
+        </p:txBody>
+      </p:sp>
+      <p:sp>
+        <p:nvSpPr>
+          <p:cNvPr id="24" name="Rectangle 23">
+            <a:extLst>
+              <a:ext uri="{FF2B5EF4-FFF2-40B4-BE49-F238E27FC236}">
+                <a16:creationId xmlns:a16="http://schemas.microsoft.com/office/drawing/2014/main" id="{D9506C73-57B6-9042-97DD-CF1C8E02D8FA}"/>
+              </a:ext>
+            </a:extLst>
+          </p:cNvPr>
+          <p:cNvSpPr/>
+          <p:nvPr/>
+        </p:nvSpPr>
+        <p:spPr>
+          <a:xfrm>
+            <a:off x="3778897" y="6547919"/>
+            <a:ext cx="2884229" cy="340994"/>
+          </a:xfrm>
+          <a:prstGeom prst="rect">
+            <a:avLst/>
+          </a:prstGeom>
+          <a:noFill/>
+          <a:ln>
+            <a:solidFill>
+              <a:srgbClr val="C00000"/>
+            </a:solidFill>
+          </a:ln>
+        </p:spPr>
+        <p:style>
+          <a:lnRef idx="2">
+            <a:schemeClr val="accent1">
+              <a:shade val="50000"/>
+            </a:schemeClr>
+          </a:lnRef>
+          <a:fillRef idx="1">
+            <a:schemeClr val="accent1"/>
+          </a:fillRef>
+          <a:effectRef idx="0">
+            <a:schemeClr val="accent1"/>
+          </a:effectRef>
+          <a:fontRef idx="minor">
+            <a:schemeClr val="lt1"/>
+          </a:fontRef>
+        </p:style>
+        <p:txBody>
+          <a:bodyPr rtlCol="0" anchor="ctr"/>
+          <a:lstStyle/>
+          <a:p>
+            <a:r>
+              <a:rPr lang="en-US" sz="800" dirty="0">
+                <a:solidFill>
+                  <a:schemeClr val="bg2">
+                    <a:lumMod val="75000"/>
+                  </a:schemeClr>
+                </a:solidFill>
+              </a:rPr>
+              <a:t>Email</a:t>
+            </a:r>
+          </a:p>
+        </p:txBody>
+      </p:sp>
+      <p:sp>
+        <p:nvSpPr>
+          <p:cNvPr id="27" name="Rectangle 26">
+            <a:extLst>
+              <a:ext uri="{FF2B5EF4-FFF2-40B4-BE49-F238E27FC236}">
+                <a16:creationId xmlns:a16="http://schemas.microsoft.com/office/drawing/2014/main" id="{3FAADABE-A1CF-4542-96BA-CF0401235D9A}"/>
+              </a:ext>
+            </a:extLst>
+          </p:cNvPr>
+          <p:cNvSpPr/>
+          <p:nvPr/>
+        </p:nvSpPr>
+        <p:spPr>
+          <a:xfrm>
+            <a:off x="194872" y="6547919"/>
+            <a:ext cx="2884230" cy="340994"/>
+          </a:xfrm>
+          <a:prstGeom prst="rect">
+            <a:avLst/>
+          </a:prstGeom>
+          <a:noFill/>
+          <a:ln>
+            <a:solidFill>
+              <a:srgbClr val="C00000"/>
+            </a:solidFill>
+          </a:ln>
+        </p:spPr>
+        <p:style>
+          <a:lnRef idx="2">
+            <a:schemeClr val="accent1">
+              <a:shade val="50000"/>
+            </a:schemeClr>
+          </a:lnRef>
+          <a:fillRef idx="1">
+            <a:schemeClr val="accent1"/>
+          </a:fillRef>
+          <a:effectRef idx="0">
+            <a:schemeClr val="accent1"/>
+          </a:effectRef>
+          <a:fontRef idx="minor">
+            <a:schemeClr val="lt1"/>
+          </a:fontRef>
+        </p:style>
+        <p:txBody>
+          <a:bodyPr rtlCol="0" anchor="ctr"/>
+          <a:lstStyle/>
+          <a:p>
+            <a:r>
+              <a:rPr lang="en-US" sz="800" dirty="0">
+                <a:solidFill>
+                  <a:schemeClr val="bg2">
+                    <a:lumMod val="75000"/>
+                  </a:schemeClr>
+                </a:solidFill>
+              </a:rPr>
+              <a:t>Name</a:t>
+            </a:r>
+          </a:p>
+        </p:txBody>
+      </p:sp>
+      <p:sp>
+        <p:nvSpPr>
+          <p:cNvPr id="29" name="Rectangle 28">
+            <a:extLst>
+              <a:ext uri="{FF2B5EF4-FFF2-40B4-BE49-F238E27FC236}">
+                <a16:creationId xmlns:a16="http://schemas.microsoft.com/office/drawing/2014/main" id="{78C236C1-D268-0047-A8DA-6FDE412A7C7C}"/>
+              </a:ext>
+            </a:extLst>
+          </p:cNvPr>
+          <p:cNvSpPr/>
+          <p:nvPr/>
+        </p:nvSpPr>
+        <p:spPr>
+          <a:xfrm>
+            <a:off x="194872" y="6985504"/>
+            <a:ext cx="6468254" cy="340994"/>
+          </a:xfrm>
+          <a:prstGeom prst="rect">
+            <a:avLst/>
+          </a:prstGeom>
+          <a:noFill/>
+          <a:ln>
+            <a:solidFill>
+              <a:srgbClr val="C00000"/>
+            </a:solidFill>
+          </a:ln>
+        </p:spPr>
+        <p:style>
+          <a:lnRef idx="2">
+            <a:schemeClr val="accent1">
+              <a:shade val="50000"/>
+            </a:schemeClr>
+          </a:lnRef>
+          <a:fillRef idx="1">
+            <a:schemeClr val="accent1"/>
+          </a:fillRef>
+          <a:effectRef idx="0">
+            <a:schemeClr val="accent1"/>
+          </a:effectRef>
+          <a:fontRef idx="minor">
+            <a:schemeClr val="lt1"/>
+          </a:fontRef>
+        </p:style>
+        <p:txBody>
+          <a:bodyPr rtlCol="0" anchor="ctr"/>
+          <a:lstStyle/>
+          <a:p>
+            <a:r>
+              <a:rPr lang="en-US" sz="800" dirty="0">
+                <a:solidFill>
+                  <a:schemeClr val="bg2">
+                    <a:lumMod val="75000"/>
+                  </a:schemeClr>
+                </a:solidFill>
+              </a:rPr>
+              <a:t>Subject</a:t>
+            </a:r>
+          </a:p>
+        </p:txBody>
+      </p:sp>
+      <p:sp>
+        <p:nvSpPr>
+          <p:cNvPr id="30" name="Rectangle 29">
+            <a:extLst>
+              <a:ext uri="{FF2B5EF4-FFF2-40B4-BE49-F238E27FC236}">
+                <a16:creationId xmlns:a16="http://schemas.microsoft.com/office/drawing/2014/main" id="{F8859414-1A34-A64E-9D67-3A84E82EC884}"/>
+              </a:ext>
+            </a:extLst>
+          </p:cNvPr>
+          <p:cNvSpPr/>
+          <p:nvPr/>
+        </p:nvSpPr>
+        <p:spPr>
+          <a:xfrm>
+            <a:off x="194872" y="7455071"/>
+            <a:ext cx="6468254" cy="1406679"/>
+          </a:xfrm>
+          <a:prstGeom prst="rect">
+            <a:avLst/>
+          </a:prstGeom>
+          <a:noFill/>
+          <a:ln>
+            <a:solidFill>
+              <a:srgbClr val="C00000"/>
+            </a:solidFill>
+          </a:ln>
+        </p:spPr>
+        <p:style>
+          <a:lnRef idx="2">
+            <a:schemeClr val="accent1">
+              <a:shade val="50000"/>
+            </a:schemeClr>
+          </a:lnRef>
+          <a:fillRef idx="1">
+            <a:schemeClr val="accent1"/>
+          </a:fillRef>
+          <a:effectRef idx="0">
+            <a:schemeClr val="accent1"/>
+          </a:effectRef>
+          <a:fontRef idx="minor">
+            <a:schemeClr val="lt1"/>
+          </a:fontRef>
+        </p:style>
+        <p:txBody>
+          <a:bodyPr rtlCol="0" anchor="ctr"/>
+          <a:lstStyle/>
+          <a:p>
+            <a:r>
+              <a:rPr lang="en-US" sz="800" dirty="0">
+                <a:solidFill>
+                  <a:schemeClr val="bg2">
+                    <a:lumMod val="75000"/>
+                  </a:schemeClr>
+                </a:solidFill>
+              </a:rPr>
+              <a:t>Message</a:t>
+            </a:r>
+          </a:p>
+        </p:txBody>
+      </p:sp>
+      <p:sp>
+        <p:nvSpPr>
+          <p:cNvPr id="32" name="Rectangle 31">
+            <a:extLst>
+              <a:ext uri="{FF2B5EF4-FFF2-40B4-BE49-F238E27FC236}">
+                <a16:creationId xmlns:a16="http://schemas.microsoft.com/office/drawing/2014/main" id="{EC7E1758-FF61-B340-BAD9-F02FA0822BFB}"/>
+              </a:ext>
+            </a:extLst>
+          </p:cNvPr>
+          <p:cNvSpPr/>
+          <p:nvPr/>
+        </p:nvSpPr>
+        <p:spPr>
+          <a:xfrm>
+            <a:off x="2658688" y="9027647"/>
+            <a:ext cx="1540622" cy="340994"/>
+          </a:xfrm>
+          <a:prstGeom prst="rect">
+            <a:avLst/>
+          </a:prstGeom>
+          <a:noFill/>
+          <a:ln>
+            <a:solidFill>
+              <a:srgbClr val="C00000"/>
+            </a:solidFill>
+          </a:ln>
+        </p:spPr>
+        <p:style>
+          <a:lnRef idx="2">
+            <a:schemeClr val="accent1">
+              <a:shade val="50000"/>
+            </a:schemeClr>
+          </a:lnRef>
+          <a:fillRef idx="1">
+            <a:schemeClr val="accent1"/>
+          </a:fillRef>
+          <a:effectRef idx="0">
+            <a:schemeClr val="accent1"/>
+          </a:effectRef>
+          <a:fontRef idx="minor">
+            <a:schemeClr val="lt1"/>
+          </a:fontRef>
+        </p:style>
+        <p:txBody>
+          <a:bodyPr rtlCol="0" anchor="ctr"/>
+          <a:lstStyle/>
+          <a:p>
+            <a:r>
+              <a:rPr lang="en-US" sz="800" dirty="0">
+                <a:solidFill>
+                  <a:srgbClr val="002060"/>
+                </a:solidFill>
+              </a:rPr>
+              <a:t>Send</a:t>
+            </a:r>
+          </a:p>
+        </p:txBody>
+      </p:sp>
+    </p:spTree>
+    <p:extLst>
+      <p:ext uri="{BB962C8B-B14F-4D97-AF65-F5344CB8AC3E}">
+        <p14:creationId xmlns:p14="http://schemas.microsoft.com/office/powerpoint/2010/main" val="2783434156"/>
       </p:ext>
     </p:extLst>
   </p:cSld>

--- a/documents/Portfolio-Design2.pptx
+++ b/documents/Portfolio-Design2.pptx
@@ -246,7 +246,7 @@
           <a:p>
             <a:fld id="{87538401-2B96-F447-A818-7CA81260E62F}" type="datetimeFigureOut">
               <a:rPr lang="en-US" smtClean="0"/>
-              <a:t>9/20/21</a:t>
+              <a:t>10/13/21</a:t>
             </a:fld>
             <a:endParaRPr lang="en-US"/>
           </a:p>
@@ -416,7 +416,7 @@
           <a:p>
             <a:fld id="{87538401-2B96-F447-A818-7CA81260E62F}" type="datetimeFigureOut">
               <a:rPr lang="en-US" smtClean="0"/>
-              <a:t>9/20/21</a:t>
+              <a:t>10/13/21</a:t>
             </a:fld>
             <a:endParaRPr lang="en-US"/>
           </a:p>
@@ -596,7 +596,7 @@
           <a:p>
             <a:fld id="{87538401-2B96-F447-A818-7CA81260E62F}" type="datetimeFigureOut">
               <a:rPr lang="en-US" smtClean="0"/>
-              <a:t>9/20/21</a:t>
+              <a:t>10/13/21</a:t>
             </a:fld>
             <a:endParaRPr lang="en-US"/>
           </a:p>
@@ -766,7 +766,7 @@
           <a:p>
             <a:fld id="{87538401-2B96-F447-A818-7CA81260E62F}" type="datetimeFigureOut">
               <a:rPr lang="en-US" smtClean="0"/>
-              <a:t>9/20/21</a:t>
+              <a:t>10/13/21</a:t>
             </a:fld>
             <a:endParaRPr lang="en-US"/>
           </a:p>
@@ -1010,7 +1010,7 @@
           <a:p>
             <a:fld id="{87538401-2B96-F447-A818-7CA81260E62F}" type="datetimeFigureOut">
               <a:rPr lang="en-US" smtClean="0"/>
-              <a:t>9/20/21</a:t>
+              <a:t>10/13/21</a:t>
             </a:fld>
             <a:endParaRPr lang="en-US"/>
           </a:p>
@@ -1242,7 +1242,7 @@
           <a:p>
             <a:fld id="{87538401-2B96-F447-A818-7CA81260E62F}" type="datetimeFigureOut">
               <a:rPr lang="en-US" smtClean="0"/>
-              <a:t>9/20/21</a:t>
+              <a:t>10/13/21</a:t>
             </a:fld>
             <a:endParaRPr lang="en-US"/>
           </a:p>
@@ -1609,7 +1609,7 @@
           <a:p>
             <a:fld id="{87538401-2B96-F447-A818-7CA81260E62F}" type="datetimeFigureOut">
               <a:rPr lang="en-US" smtClean="0"/>
-              <a:t>9/20/21</a:t>
+              <a:t>10/13/21</a:t>
             </a:fld>
             <a:endParaRPr lang="en-US"/>
           </a:p>
@@ -1727,7 +1727,7 @@
           <a:p>
             <a:fld id="{87538401-2B96-F447-A818-7CA81260E62F}" type="datetimeFigureOut">
               <a:rPr lang="en-US" smtClean="0"/>
-              <a:t>9/20/21</a:t>
+              <a:t>10/13/21</a:t>
             </a:fld>
             <a:endParaRPr lang="en-US"/>
           </a:p>
@@ -1822,7 +1822,7 @@
           <a:p>
             <a:fld id="{87538401-2B96-F447-A818-7CA81260E62F}" type="datetimeFigureOut">
               <a:rPr lang="en-US" smtClean="0"/>
-              <a:t>9/20/21</a:t>
+              <a:t>10/13/21</a:t>
             </a:fld>
             <a:endParaRPr lang="en-US"/>
           </a:p>
@@ -2099,7 +2099,7 @@
           <a:p>
             <a:fld id="{87538401-2B96-F447-A818-7CA81260E62F}" type="datetimeFigureOut">
               <a:rPr lang="en-US" smtClean="0"/>
-              <a:t>9/20/21</a:t>
+              <a:t>10/13/21</a:t>
             </a:fld>
             <a:endParaRPr lang="en-US"/>
           </a:p>
@@ -2356,7 +2356,7 @@
           <a:p>
             <a:fld id="{87538401-2B96-F447-A818-7CA81260E62F}" type="datetimeFigureOut">
               <a:rPr lang="en-US" smtClean="0"/>
-              <a:t>9/20/21</a:t>
+              <a:t>10/13/21</a:t>
             </a:fld>
             <a:endParaRPr lang="en-US"/>
           </a:p>
@@ -2569,7 +2569,7 @@
           <a:p>
             <a:fld id="{87538401-2B96-F447-A818-7CA81260E62F}" type="datetimeFigureOut">
               <a:rPr lang="en-US" smtClean="0"/>
-              <a:t>9/20/21</a:t>
+              <a:t>10/13/21</a:t>
             </a:fld>
             <a:endParaRPr lang="en-US"/>
           </a:p>
@@ -2988,7 +2988,7 @@
         </p:nvSpPr>
         <p:spPr>
           <a:xfrm>
-            <a:off x="2664646" y="109918"/>
+            <a:off x="2775245" y="109918"/>
             <a:ext cx="1137395" cy="1111188"/>
           </a:xfrm>
           <a:prstGeom prst="ellipse">
@@ -4290,7 +4290,7 @@
         </p:nvSpPr>
         <p:spPr>
           <a:xfrm>
-            <a:off x="4964311" y="109918"/>
+            <a:off x="5185508" y="122989"/>
             <a:ext cx="1137395" cy="1111188"/>
           </a:xfrm>
           <a:prstGeom prst="ellipse">
